--- a/MSANDE228_Lecture4_Inference_in_High_Dimensional_Linear_Models.pptx
+++ b/MSANDE228_Lecture4_Inference_in_High_Dimensional_Linear_Models.pptx
@@ -305,7 +305,7 @@
           <a:p>
             <a:fld id="{DE6BA60F-DE6F-45D4-98F5-DAB0AE3C7AA8}" type="datetimeFigureOut">
               <a:rPr lang="en-US" smtClean="0"/>
-              <a:t>1/18/2023</a:t>
+              <a:t>1/22/2023</a:t>
             </a:fld>
             <a:endParaRPr lang="en-US"/>
           </a:p>
@@ -503,7 +503,7 @@
           <a:p>
             <a:fld id="{DE6BA60F-DE6F-45D4-98F5-DAB0AE3C7AA8}" type="datetimeFigureOut">
               <a:rPr lang="en-US" smtClean="0"/>
-              <a:t>1/18/2023</a:t>
+              <a:t>1/22/2023</a:t>
             </a:fld>
             <a:endParaRPr lang="en-US"/>
           </a:p>
@@ -711,7 +711,7 @@
           <a:p>
             <a:fld id="{DE6BA60F-DE6F-45D4-98F5-DAB0AE3C7AA8}" type="datetimeFigureOut">
               <a:rPr lang="en-US" smtClean="0"/>
-              <a:t>1/18/2023</a:t>
+              <a:t>1/22/2023</a:t>
             </a:fld>
             <a:endParaRPr lang="en-US"/>
           </a:p>
@@ -909,7 +909,7 @@
           <a:p>
             <a:fld id="{DE6BA60F-DE6F-45D4-98F5-DAB0AE3C7AA8}" type="datetimeFigureOut">
               <a:rPr lang="en-US" smtClean="0"/>
-              <a:t>1/18/2023</a:t>
+              <a:t>1/22/2023</a:t>
             </a:fld>
             <a:endParaRPr lang="en-US"/>
           </a:p>
@@ -1184,7 +1184,7 @@
           <a:p>
             <a:fld id="{DE6BA60F-DE6F-45D4-98F5-DAB0AE3C7AA8}" type="datetimeFigureOut">
               <a:rPr lang="en-US" smtClean="0"/>
-              <a:t>1/18/2023</a:t>
+              <a:t>1/22/2023</a:t>
             </a:fld>
             <a:endParaRPr lang="en-US"/>
           </a:p>
@@ -1449,7 +1449,7 @@
           <a:p>
             <a:fld id="{DE6BA60F-DE6F-45D4-98F5-DAB0AE3C7AA8}" type="datetimeFigureOut">
               <a:rPr lang="en-US" smtClean="0"/>
-              <a:t>1/18/2023</a:t>
+              <a:t>1/22/2023</a:t>
             </a:fld>
             <a:endParaRPr lang="en-US"/>
           </a:p>
@@ -1861,7 +1861,7 @@
           <a:p>
             <a:fld id="{DE6BA60F-DE6F-45D4-98F5-DAB0AE3C7AA8}" type="datetimeFigureOut">
               <a:rPr lang="en-US" smtClean="0"/>
-              <a:t>1/18/2023</a:t>
+              <a:t>1/22/2023</a:t>
             </a:fld>
             <a:endParaRPr lang="en-US"/>
           </a:p>
@@ -2002,7 +2002,7 @@
           <a:p>
             <a:fld id="{DE6BA60F-DE6F-45D4-98F5-DAB0AE3C7AA8}" type="datetimeFigureOut">
               <a:rPr lang="en-US" smtClean="0"/>
-              <a:t>1/18/2023</a:t>
+              <a:t>1/22/2023</a:t>
             </a:fld>
             <a:endParaRPr lang="en-US"/>
           </a:p>
@@ -2115,7 +2115,7 @@
           <a:p>
             <a:fld id="{DE6BA60F-DE6F-45D4-98F5-DAB0AE3C7AA8}" type="datetimeFigureOut">
               <a:rPr lang="en-US" smtClean="0"/>
-              <a:t>1/18/2023</a:t>
+              <a:t>1/22/2023</a:t>
             </a:fld>
             <a:endParaRPr lang="en-US"/>
           </a:p>
@@ -2426,7 +2426,7 @@
           <a:p>
             <a:fld id="{DE6BA60F-DE6F-45D4-98F5-DAB0AE3C7AA8}" type="datetimeFigureOut">
               <a:rPr lang="en-US" smtClean="0"/>
-              <a:t>1/18/2023</a:t>
+              <a:t>1/22/2023</a:t>
             </a:fld>
             <a:endParaRPr lang="en-US"/>
           </a:p>
@@ -2714,7 +2714,7 @@
           <a:p>
             <a:fld id="{DE6BA60F-DE6F-45D4-98F5-DAB0AE3C7AA8}" type="datetimeFigureOut">
               <a:rPr lang="en-US" smtClean="0"/>
-              <a:t>1/18/2023</a:t>
+              <a:t>1/22/2023</a:t>
             </a:fld>
             <a:endParaRPr lang="en-US"/>
           </a:p>
@@ -2955,7 +2955,7 @@
           <a:p>
             <a:fld id="{DE6BA60F-DE6F-45D4-98F5-DAB0AE3C7AA8}" type="datetimeFigureOut">
               <a:rPr lang="en-US" smtClean="0"/>
-              <a:t>1/18/2023</a:t>
+              <a:t>1/22/2023</a:t>
             </a:fld>
             <a:endParaRPr lang="en-US"/>
           </a:p>
@@ -3681,8 +3681,8 @@
           <a:chExt cx="0" cy="0"/>
         </a:xfrm>
       </p:grpSpPr>
-      <mc:AlternateContent xmlns:mc="http://schemas.openxmlformats.org/markup-compatibility/2006">
-        <mc:Choice xmlns:a14="http://schemas.microsoft.com/office/drawing/2010/main" Requires="a14">
+      <mc:AlternateContent xmlns:mc="http://schemas.openxmlformats.org/markup-compatibility/2006" xmlns:a14="http://schemas.microsoft.com/office/drawing/2010/main">
+        <mc:Choice Requires="a14">
           <p:sp>
             <p:nvSpPr>
               <p:cNvPr id="2" name="Title 1">
@@ -3735,7 +3735,7 @@
             </p:txBody>
           </p:sp>
         </mc:Choice>
-        <mc:Fallback>
+        <mc:Fallback xmlns="">
           <p:sp>
             <p:nvSpPr>
               <p:cNvPr id="2" name="Title 1">
@@ -3858,8 +3858,8 @@
           </a:p>
         </p:txBody>
       </p:sp>
-      <mc:AlternateContent xmlns:mc="http://schemas.openxmlformats.org/markup-compatibility/2006">
-        <mc:Choice xmlns:a14="http://schemas.microsoft.com/office/drawing/2010/main" Requires="a14">
+      <mc:AlternateContent xmlns:mc="http://schemas.openxmlformats.org/markup-compatibility/2006" xmlns:a14="http://schemas.microsoft.com/office/drawing/2010/main">
+        <mc:Choice Requires="a14">
           <p:sp>
             <p:nvSpPr>
               <p:cNvPr id="3" name="Content Placeholder 2">
@@ -3891,7 +3891,7 @@
                   <m:oMath xmlns:m="http://schemas.openxmlformats.org/officeDocument/2006/math">
                     <m:r>
                       <a:rPr lang="en-US" b="0" i="1" smtClean="0">
-                        <a:latin typeface="+mj-lt"/>
+                        <a:latin typeface="Cambria Math" panose="02040503050406030204" pitchFamily="18" charset="0"/>
                       </a:rPr>
                       <m:t>𝑌</m:t>
                     </m:r>
@@ -3907,13 +3907,13 @@
                   <m:oMath xmlns:m="http://schemas.openxmlformats.org/officeDocument/2006/math">
                     <m:r>
                       <a:rPr lang="en-US" b="0" i="1" smtClean="0">
-                        <a:latin typeface="+mj-lt"/>
+                        <a:latin typeface="Cambria Math" panose="02040503050406030204" pitchFamily="18" charset="0"/>
                       </a:rPr>
                       <m:t>𝑋</m:t>
                     </m:r>
                     <m:r>
                       <a:rPr lang="en-US" b="0" i="1" smtClean="0">
-                        <a:latin typeface="+mj-lt"/>
+                        <a:latin typeface="Cambria Math" panose="02040503050406030204" pitchFamily="18" charset="0"/>
                       </a:rPr>
                       <m:t>=</m:t>
                     </m:r>
@@ -3921,7 +3921,7 @@
                       <m:dPr>
                         <m:ctrlPr>
                           <a:rPr lang="en-US" b="0" i="1" smtClean="0">
-                            <a:latin typeface="+mj-lt"/>
+                            <a:latin typeface="Cambria Math" panose="02040503050406030204" pitchFamily="18" charset="0"/>
                           </a:rPr>
                         </m:ctrlPr>
                       </m:dPr>
@@ -3930,14 +3930,14 @@
                           <m:sSubPr>
                             <m:ctrlPr>
                               <a:rPr lang="en-US" b="0" i="1" smtClean="0">
-                                <a:latin typeface="+mj-lt"/>
+                                <a:latin typeface="Cambria Math" panose="02040503050406030204" pitchFamily="18" charset="0"/>
                               </a:rPr>
                             </m:ctrlPr>
                           </m:sSubPr>
                           <m:e>
                             <m:r>
                               <a:rPr lang="en-US" b="0" i="1" smtClean="0">
-                                <a:latin typeface="+mj-lt"/>
+                                <a:latin typeface="Cambria Math" panose="02040503050406030204" pitchFamily="18" charset="0"/>
                               </a:rPr>
                               <m:t>𝑋</m:t>
                             </m:r>
@@ -3945,7 +3945,7 @@
                           <m:sub>
                             <m:r>
                               <a:rPr lang="en-US" b="0" i="1" smtClean="0">
-                                <a:latin typeface="+mj-lt"/>
+                                <a:latin typeface="Cambria Math" panose="02040503050406030204" pitchFamily="18" charset="0"/>
                               </a:rPr>
                               <m:t>1</m:t>
                             </m:r>
@@ -3953,7 +3953,7 @@
                         </m:sSub>
                         <m:r>
                           <a:rPr lang="en-US" b="0" i="1" smtClean="0">
-                            <a:latin typeface="+mj-lt"/>
+                            <a:latin typeface="Cambria Math" panose="02040503050406030204" pitchFamily="18" charset="0"/>
                           </a:rPr>
                           <m:t>,…,</m:t>
                         </m:r>
@@ -3961,14 +3961,14 @@
                           <m:sSubPr>
                             <m:ctrlPr>
                               <a:rPr lang="en-US" b="0" i="1" smtClean="0">
-                                <a:latin typeface="+mj-lt"/>
+                                <a:latin typeface="Cambria Math" panose="02040503050406030204" pitchFamily="18" charset="0"/>
                               </a:rPr>
                             </m:ctrlPr>
                           </m:sSubPr>
                           <m:e>
                             <m:r>
                               <a:rPr lang="en-US" b="0" i="1" smtClean="0">
-                                <a:latin typeface="+mj-lt"/>
+                                <a:latin typeface="Cambria Math" panose="02040503050406030204" pitchFamily="18" charset="0"/>
                               </a:rPr>
                               <m:t>𝑋</m:t>
                             </m:r>
@@ -3976,7 +3976,7 @@
                           <m:sub>
                             <m:r>
                               <a:rPr lang="en-US" b="0" i="1" smtClean="0">
-                                <a:latin typeface="+mj-lt"/>
+                                <a:latin typeface="Cambria Math" panose="02040503050406030204" pitchFamily="18" charset="0"/>
                               </a:rPr>
                               <m:t>𝑗</m:t>
                             </m:r>
@@ -3984,7 +3984,7 @@
                         </m:sSub>
                         <m:r>
                           <a:rPr lang="en-US" b="0" i="1" smtClean="0">
-                            <a:latin typeface="+mj-lt"/>
+                            <a:latin typeface="Cambria Math" panose="02040503050406030204" pitchFamily="18" charset="0"/>
                           </a:rPr>
                           <m:t>,…,</m:t>
                         </m:r>
@@ -3992,14 +3992,14 @@
                           <m:sSubPr>
                             <m:ctrlPr>
                               <a:rPr lang="en-US" b="0" i="1" smtClean="0">
-                                <a:latin typeface="+mj-lt"/>
+                                <a:latin typeface="Cambria Math" panose="02040503050406030204" pitchFamily="18" charset="0"/>
                               </a:rPr>
                             </m:ctrlPr>
                           </m:sSubPr>
                           <m:e>
                             <m:r>
                               <a:rPr lang="en-US" b="0" i="1" smtClean="0">
-                                <a:latin typeface="+mj-lt"/>
+                                <a:latin typeface="Cambria Math" panose="02040503050406030204" pitchFamily="18" charset="0"/>
                               </a:rPr>
                               <m:t>𝑋</m:t>
                             </m:r>
@@ -4007,7 +4007,7 @@
                           <m:sub>
                             <m:r>
                               <a:rPr lang="en-US" b="0" i="1" smtClean="0">
-                                <a:latin typeface="+mj-lt"/>
+                                <a:latin typeface="Cambria Math" panose="02040503050406030204" pitchFamily="18" charset="0"/>
                               </a:rPr>
                               <m:t>𝑝</m:t>
                             </m:r>
@@ -4041,7 +4041,7 @@
                           <a:solidFill>
                             <a:schemeClr val="tx1"/>
                           </a:solidFill>
-                          <a:latin typeface="+mj-lt"/>
+                          <a:latin typeface="Cambria Math" panose="02040503050406030204" pitchFamily="18" charset="0"/>
                           <a:ea typeface="+mj-ea"/>
                           <a:cs typeface="+mj-cs"/>
                         </a:rPr>
@@ -4052,7 +4052,7 @@
                           <a:solidFill>
                             <a:schemeClr val="tx1"/>
                           </a:solidFill>
-                          <a:latin typeface="+mj-lt"/>
+                          <a:latin typeface="Cambria Math" panose="02040503050406030204" pitchFamily="18" charset="0"/>
                           <a:ea typeface="+mj-ea"/>
                           <a:cs typeface="+mj-cs"/>
                         </a:rPr>
@@ -4065,7 +4065,7 @@
                               <a:solidFill>
                                 <a:schemeClr val="tx1"/>
                               </a:solidFill>
-                              <a:latin typeface="+mj-lt"/>
+                              <a:latin typeface="Cambria Math" panose="02040503050406030204" pitchFamily="18" charset="0"/>
                               <a:ea typeface="+mj-ea"/>
                               <a:cs typeface="+mj-cs"/>
                             </a:rPr>
@@ -4077,7 +4077,7 @@
                               <a:solidFill>
                                 <a:schemeClr val="tx1"/>
                               </a:solidFill>
-                              <a:latin typeface="+mj-lt"/>
+                              <a:latin typeface="Cambria Math" panose="02040503050406030204" pitchFamily="18" charset="0"/>
                               <a:ea typeface="+mj-ea"/>
                               <a:cs typeface="+mj-cs"/>
                             </a:rPr>
@@ -4090,7 +4090,7 @@
                               <a:solidFill>
                                 <a:schemeClr val="tx1"/>
                               </a:solidFill>
-                              <a:latin typeface="+mj-lt"/>
+                              <a:latin typeface="Cambria Math" panose="02040503050406030204" pitchFamily="18" charset="0"/>
                               <a:ea typeface="+mj-ea"/>
                               <a:cs typeface="+mj-cs"/>
                             </a:rPr>
@@ -4103,7 +4103,7 @@
                           <a:solidFill>
                             <a:schemeClr val="tx1"/>
                           </a:solidFill>
-                          <a:latin typeface="+mj-lt"/>
+                          <a:latin typeface="Cambria Math" panose="02040503050406030204" pitchFamily="18" charset="0"/>
                           <a:ea typeface="+mj-ea"/>
                           <a:cs typeface="+mj-cs"/>
                         </a:rPr>
@@ -4114,7 +4114,7 @@
                           <a:solidFill>
                             <a:schemeClr val="tx1"/>
                           </a:solidFill>
-                          <a:latin typeface="+mj-lt"/>
+                          <a:latin typeface="Cambria Math" panose="02040503050406030204" pitchFamily="18" charset="0"/>
                           <a:ea typeface="+mj-ea"/>
                           <a:cs typeface="+mj-cs"/>
                         </a:rPr>
@@ -4125,7 +4125,7 @@
                           <a:solidFill>
                             <a:schemeClr val="tx1"/>
                           </a:solidFill>
-                          <a:latin typeface="+mj-lt"/>
+                          <a:latin typeface="Cambria Math" panose="02040503050406030204" pitchFamily="18" charset="0"/>
                           <a:ea typeface="+mj-ea"/>
                           <a:cs typeface="+mj-cs"/>
                         </a:rPr>
@@ -4136,7 +4136,7 @@
                           <a:solidFill>
                             <a:schemeClr val="tx1"/>
                           </a:solidFill>
-                          <a:latin typeface="+mj-lt"/>
+                          <a:latin typeface="Cambria Math" panose="02040503050406030204" pitchFamily="18" charset="0"/>
                           <a:ea typeface="+mj-ea"/>
                           <a:cs typeface="+mj-cs"/>
                         </a:rPr>
@@ -4147,7 +4147,7 @@
                           <a:solidFill>
                             <a:schemeClr val="tx1"/>
                           </a:solidFill>
-                          <a:latin typeface="+mj-lt"/>
+                          <a:latin typeface="Cambria Math" panose="02040503050406030204" pitchFamily="18" charset="0"/>
                           <a:ea typeface="+mj-ea"/>
                           <a:cs typeface="+mj-cs"/>
                         </a:rPr>
@@ -4162,7 +4162,7 @@
                               <a:solidFill>
                                 <a:schemeClr val="tx1"/>
                               </a:solidFill>
-                              <a:latin typeface="+mj-lt"/>
+                              <a:latin typeface="Cambria Math" panose="02040503050406030204" pitchFamily="18" charset="0"/>
                               <a:ea typeface="+mj-ea"/>
                               <a:cs typeface="+mj-cs"/>
                             </a:rPr>
@@ -4174,7 +4174,7 @@
                               <a:solidFill>
                                 <a:schemeClr val="tx1"/>
                               </a:solidFill>
-                              <a:latin typeface="+mj-lt"/>
+                              <a:latin typeface="Cambria Math" panose="02040503050406030204" pitchFamily="18" charset="0"/>
                               <a:ea typeface="+mj-ea"/>
                               <a:cs typeface="+mj-cs"/>
                             </a:rPr>
@@ -4185,7 +4185,7 @@
                               <a:solidFill>
                                 <a:schemeClr val="tx1"/>
                               </a:solidFill>
-                              <a:latin typeface="+mj-lt"/>
+                              <a:latin typeface="Cambria Math" panose="02040503050406030204" pitchFamily="18" charset="0"/>
                               <a:ea typeface="+mj-ea"/>
                               <a:cs typeface="+mj-cs"/>
                             </a:rPr>
@@ -4198,7 +4198,7 @@
                           <a:solidFill>
                             <a:schemeClr val="tx1"/>
                           </a:solidFill>
-                          <a:latin typeface="+mj-lt"/>
+                          <a:latin typeface="Cambria Math" panose="02040503050406030204" pitchFamily="18" charset="0"/>
                           <a:ea typeface="+mj-ea"/>
                           <a:cs typeface="+mj-cs"/>
                         </a:rPr>
@@ -4209,7 +4209,7 @@
                           <a:solidFill>
                             <a:schemeClr val="tx1"/>
                           </a:solidFill>
-                          <a:latin typeface="+mj-lt"/>
+                          <a:latin typeface="Cambria Math" panose="02040503050406030204" pitchFamily="18" charset="0"/>
                           <a:ea typeface="+mj-ea"/>
                           <a:cs typeface="+mj-cs"/>
                         </a:rPr>
@@ -4220,7 +4220,7 @@
                           <a:solidFill>
                             <a:schemeClr val="tx1"/>
                           </a:solidFill>
-                          <a:latin typeface="+mj-lt"/>
+                          <a:latin typeface="Cambria Math" panose="02040503050406030204" pitchFamily="18" charset="0"/>
                           <a:ea typeface="+mj-ea"/>
                           <a:cs typeface="+mj-cs"/>
                         </a:rPr>
@@ -4231,7 +4231,7 @@
                           <a:solidFill>
                             <a:schemeClr val="tx1"/>
                           </a:solidFill>
-                          <a:latin typeface="+mj-lt"/>
+                          <a:latin typeface="Cambria Math" panose="02040503050406030204" pitchFamily="18" charset="0"/>
                           <a:ea typeface="+mj-ea"/>
                           <a:cs typeface="+mj-cs"/>
                         </a:rPr>
@@ -4242,7 +4242,7 @@
                           <a:solidFill>
                             <a:schemeClr val="tx1"/>
                           </a:solidFill>
-                          <a:latin typeface="+mj-lt"/>
+                          <a:latin typeface="Cambria Math" panose="02040503050406030204" pitchFamily="18" charset="0"/>
                           <a:ea typeface="+mj-ea"/>
                           <a:cs typeface="+mj-cs"/>
                         </a:rPr>
@@ -4274,7 +4274,7 @@
                   <m:oMath xmlns:m="http://schemas.openxmlformats.org/officeDocument/2006/math">
                     <m:r>
                       <a:rPr lang="en-US" b="0" i="1" smtClean="0">
-                        <a:latin typeface="+mj-lt"/>
+                        <a:latin typeface="Cambria Math" panose="02040503050406030204" pitchFamily="18" charset="0"/>
                       </a:rPr>
                       <m:t>𝑛</m:t>
                     </m:r>
@@ -4292,7 +4292,7 @@
                       <m:sSubSupPr>
                         <m:ctrlPr>
                           <a:rPr lang="en-US" b="0" i="1" smtClean="0">
-                            <a:latin typeface="+mj-lt"/>
+                            <a:latin typeface="Cambria Math" panose="02040503050406030204" pitchFamily="18" charset="0"/>
                           </a:rPr>
                         </m:ctrlPr>
                       </m:sSubSupPr>
@@ -4303,7 +4303,7 @@
                             <m:endChr m:val="}"/>
                             <m:ctrlPr>
                               <a:rPr lang="en-US" b="0" i="1" smtClean="0">
-                                <a:latin typeface="+mj-lt"/>
+                                <a:latin typeface="Cambria Math" panose="02040503050406030204" pitchFamily="18" charset="0"/>
                               </a:rPr>
                             </m:ctrlPr>
                           </m:dPr>
@@ -4312,7 +4312,7 @@
                               <m:dPr>
                                 <m:ctrlPr>
                                   <a:rPr lang="en-US" b="0" i="1" smtClean="0">
-                                    <a:latin typeface="+mj-lt"/>
+                                    <a:latin typeface="Cambria Math" panose="02040503050406030204" pitchFamily="18" charset="0"/>
                                   </a:rPr>
                                 </m:ctrlPr>
                               </m:dPr>
@@ -4321,14 +4321,14 @@
                                   <m:sSubPr>
                                     <m:ctrlPr>
                                       <a:rPr lang="en-US" b="0" i="1" smtClean="0">
-                                        <a:latin typeface="+mj-lt"/>
+                                        <a:latin typeface="Cambria Math" panose="02040503050406030204" pitchFamily="18" charset="0"/>
                                       </a:rPr>
                                     </m:ctrlPr>
                                   </m:sSubPr>
                                   <m:e>
                                     <m:r>
                                       <a:rPr lang="en-US" b="0" i="1" smtClean="0">
-                                        <a:latin typeface="+mj-lt"/>
+                                        <a:latin typeface="Cambria Math" panose="02040503050406030204" pitchFamily="18" charset="0"/>
                                       </a:rPr>
                                       <m:t>𝑋</m:t>
                                     </m:r>
@@ -4336,7 +4336,7 @@
                                   <m:sub>
                                     <m:r>
                                       <a:rPr lang="en-US" b="0" i="1" smtClean="0">
-                                        <a:latin typeface="+mj-lt"/>
+                                        <a:latin typeface="Cambria Math" panose="02040503050406030204" pitchFamily="18" charset="0"/>
                                       </a:rPr>
                                       <m:t>𝑖</m:t>
                                     </m:r>
@@ -4344,7 +4344,7 @@
                                 </m:sSub>
                                 <m:r>
                                   <a:rPr lang="en-US" b="0" i="1" smtClean="0">
-                                    <a:latin typeface="+mj-lt"/>
+                                    <a:latin typeface="Cambria Math" panose="02040503050406030204" pitchFamily="18" charset="0"/>
                                   </a:rPr>
                                   <m:t>,</m:t>
                                 </m:r>
@@ -4352,14 +4352,14 @@
                                   <m:sSubPr>
                                     <m:ctrlPr>
                                       <a:rPr lang="en-US" b="0" i="1" smtClean="0">
-                                        <a:latin typeface="+mj-lt"/>
+                                        <a:latin typeface="Cambria Math" panose="02040503050406030204" pitchFamily="18" charset="0"/>
                                       </a:rPr>
                                     </m:ctrlPr>
                                   </m:sSubPr>
                                   <m:e>
                                     <m:r>
                                       <a:rPr lang="en-US" b="0" i="1" smtClean="0">
-                                        <a:latin typeface="+mj-lt"/>
+                                        <a:latin typeface="Cambria Math" panose="02040503050406030204" pitchFamily="18" charset="0"/>
                                       </a:rPr>
                                       <m:t>𝑌</m:t>
                                     </m:r>
@@ -4367,7 +4367,7 @@
                                   <m:sub>
                                     <m:r>
                                       <a:rPr lang="en-US" b="0" i="1" smtClean="0">
-                                        <a:latin typeface="+mj-lt"/>
+                                        <a:latin typeface="Cambria Math" panose="02040503050406030204" pitchFamily="18" charset="0"/>
                                       </a:rPr>
                                       <m:t>𝑖</m:t>
                                     </m:r>
@@ -4381,13 +4381,13 @@
                       <m:sub>
                         <m:r>
                           <a:rPr lang="en-US" b="0" i="1" smtClean="0">
-                            <a:latin typeface="+mj-lt"/>
+                            <a:latin typeface="Cambria Math" panose="02040503050406030204" pitchFamily="18" charset="0"/>
                           </a:rPr>
                           <m:t>𝑖</m:t>
                         </m:r>
                         <m:r>
                           <a:rPr lang="en-US" b="0" i="1" smtClean="0">
-                            <a:latin typeface="+mj-lt"/>
+                            <a:latin typeface="Cambria Math" panose="02040503050406030204" pitchFamily="18" charset="0"/>
                           </a:rPr>
                           <m:t>=1</m:t>
                         </m:r>
@@ -4395,7 +4395,7 @@
                       <m:sup>
                         <m:r>
                           <a:rPr lang="en-US" b="0" i="1" smtClean="0">
-                            <a:latin typeface="+mj-lt"/>
+                            <a:latin typeface="Cambria Math" panose="02040503050406030204" pitchFamily="18" charset="0"/>
                           </a:rPr>
                           <m:t>𝑛</m:t>
                         </m:r>
@@ -4423,7 +4423,7 @@
                   <m:oMath xmlns:m="http://schemas.openxmlformats.org/officeDocument/2006/math">
                     <m:r>
                       <a:rPr lang="en-US" b="0" i="1" smtClean="0">
-                        <a:latin typeface="+mj-lt"/>
+                        <a:latin typeface="Cambria Math" panose="02040503050406030204" pitchFamily="18" charset="0"/>
                       </a:rPr>
                       <m:t>𝑝</m:t>
                     </m:r>
@@ -4439,7 +4439,7 @@
                   <m:oMath xmlns:m="http://schemas.openxmlformats.org/officeDocument/2006/math">
                     <m:r>
                       <a:rPr lang="en-US" b="0" i="1" smtClean="0">
-                        <a:latin typeface="+mj-lt"/>
+                        <a:latin typeface="Cambria Math" panose="02040503050406030204" pitchFamily="18" charset="0"/>
                       </a:rPr>
                       <m:t>𝑛</m:t>
                     </m:r>
@@ -4452,7 +4452,7 @@
             </p:txBody>
           </p:sp>
         </mc:Choice>
-        <mc:Fallback>
+        <mc:Fallback xmlns="">
           <p:sp>
             <p:nvSpPr>
               <p:cNvPr id="3" name="Content Placeholder 2">
@@ -4522,8 +4522,8 @@
           <a:chExt cx="0" cy="0"/>
         </a:xfrm>
       </p:grpSpPr>
-      <mc:AlternateContent xmlns:mc="http://schemas.openxmlformats.org/markup-compatibility/2006">
-        <mc:Choice xmlns:a14="http://schemas.microsoft.com/office/drawing/2010/main" Requires="a14">
+      <mc:AlternateContent xmlns:mc="http://schemas.openxmlformats.org/markup-compatibility/2006" xmlns:a14="http://schemas.microsoft.com/office/drawing/2010/main">
+        <mc:Choice Requires="a14">
           <p:sp>
             <p:nvSpPr>
               <p:cNvPr id="2" name="Title 1">
@@ -4581,7 +4581,7 @@
             </p:txBody>
           </p:sp>
         </mc:Choice>
-        <mc:Fallback>
+        <mc:Fallback xmlns="">
           <p:sp>
             <p:nvSpPr>
               <p:cNvPr id="2" name="Title 1">
@@ -5326,8 +5326,8 @@
           </a:p>
         </p:txBody>
       </p:sp>
-      <mc:AlternateContent xmlns:mc="http://schemas.openxmlformats.org/markup-compatibility/2006">
-        <mc:Choice xmlns:a14="http://schemas.microsoft.com/office/drawing/2010/main" Requires="a14">
+      <mc:AlternateContent xmlns:mc="http://schemas.openxmlformats.org/markup-compatibility/2006" xmlns:a14="http://schemas.microsoft.com/office/drawing/2010/main">
+        <mc:Choice Requires="a14">
           <p:sp>
             <p:nvSpPr>
               <p:cNvPr id="3" name="Content Placeholder 2">
@@ -6159,7 +6159,7 @@
             </p:txBody>
           </p:sp>
         </mc:Choice>
-        <mc:Fallback>
+        <mc:Fallback xmlns="">
           <p:sp>
             <p:nvSpPr>
               <p:cNvPr id="3" name="Content Placeholder 2">
@@ -6578,8 +6578,8 @@
           </a:p>
         </p:txBody>
       </p:sp>
-      <mc:AlternateContent xmlns:mc="http://schemas.openxmlformats.org/markup-compatibility/2006">
-        <mc:Choice xmlns:a14="http://schemas.microsoft.com/office/drawing/2010/main" Requires="a14">
+      <mc:AlternateContent xmlns:mc="http://schemas.openxmlformats.org/markup-compatibility/2006" xmlns:a14="http://schemas.microsoft.com/office/drawing/2010/main">
+        <mc:Choice Requires="a14">
           <p:sp>
             <p:nvSpPr>
               <p:cNvPr id="3" name="Content Placeholder 2">
@@ -7614,7 +7614,7 @@
             </p:txBody>
           </p:sp>
         </mc:Choice>
-        <mc:Fallback>
+        <mc:Fallback xmlns="">
           <p:sp>
             <p:nvSpPr>
               <p:cNvPr id="3" name="Content Placeholder 2">
@@ -8168,8 +8168,8 @@
           </a:p>
         </p:txBody>
       </p:sp>
-      <mc:AlternateContent xmlns:mc="http://schemas.openxmlformats.org/markup-compatibility/2006">
-        <mc:Choice xmlns:a14="http://schemas.microsoft.com/office/drawing/2010/main" Requires="a14">
+      <mc:AlternateContent xmlns:mc="http://schemas.openxmlformats.org/markup-compatibility/2006" xmlns:a14="http://schemas.microsoft.com/office/drawing/2010/main">
+        <mc:Choice Requires="a14">
           <p:sp>
             <p:nvSpPr>
               <p:cNvPr id="3" name="Content Placeholder 2">
@@ -8251,7 +8251,7 @@
             </p:txBody>
           </p:sp>
         </mc:Choice>
-        <mc:Fallback>
+        <mc:Fallback xmlns="">
           <p:sp>
             <p:nvSpPr>
               <p:cNvPr id="3" name="Content Placeholder 2">
@@ -8897,8 +8897,8 @@
           </a:p>
         </p:txBody>
       </p:sp>
-      <mc:AlternateContent xmlns:mc="http://schemas.openxmlformats.org/markup-compatibility/2006">
-        <mc:Choice xmlns:a14="http://schemas.microsoft.com/office/drawing/2010/main" Requires="a14">
+      <mc:AlternateContent xmlns:mc="http://schemas.openxmlformats.org/markup-compatibility/2006" xmlns:a14="http://schemas.microsoft.com/office/drawing/2010/main">
+        <mc:Choice Requires="a14">
           <p:sp>
             <p:nvSpPr>
               <p:cNvPr id="3" name="Content Placeholder 2">
@@ -9000,7 +9000,7 @@
             </p:txBody>
           </p:sp>
         </mc:Choice>
-        <mc:Fallback>
+        <mc:Fallback xmlns="">
           <p:sp>
             <p:nvSpPr>
               <p:cNvPr id="3" name="Content Placeholder 2">
@@ -9226,8 +9226,8 @@
           </a:p>
         </p:txBody>
       </p:sp>
-      <mc:AlternateContent xmlns:mc="http://schemas.openxmlformats.org/markup-compatibility/2006">
-        <mc:Choice xmlns:a14="http://schemas.microsoft.com/office/drawing/2010/main" Requires="a14">
+      <mc:AlternateContent xmlns:mc="http://schemas.openxmlformats.org/markup-compatibility/2006" xmlns:a14="http://schemas.microsoft.com/office/drawing/2010/main">
+        <mc:Choice Requires="a14">
           <p:sp>
             <p:nvSpPr>
               <p:cNvPr id="3" name="Content Placeholder 2">
@@ -9580,7 +9580,7 @@
             </p:txBody>
           </p:sp>
         </mc:Choice>
-        <mc:Fallback>
+        <mc:Fallback xmlns="">
           <p:sp>
             <p:nvSpPr>
               <p:cNvPr id="3" name="Content Placeholder 2">
@@ -9817,8 +9817,8 @@
           </a:p>
         </p:txBody>
       </p:sp>
-      <mc:AlternateContent xmlns:mc="http://schemas.openxmlformats.org/markup-compatibility/2006">
-        <mc:Choice xmlns:a14="http://schemas.microsoft.com/office/drawing/2010/main" Requires="a14">
+      <mc:AlternateContent xmlns:mc="http://schemas.openxmlformats.org/markup-compatibility/2006" xmlns:a14="http://schemas.microsoft.com/office/drawing/2010/main">
+        <mc:Choice Requires="a14">
           <p:sp>
             <p:nvSpPr>
               <p:cNvPr id="3" name="Content Placeholder 2">
@@ -10286,7 +10286,7 @@
             </p:txBody>
           </p:sp>
         </mc:Choice>
-        <mc:Fallback>
+        <mc:Fallback xmlns="">
           <p:sp>
             <p:nvSpPr>
               <p:cNvPr id="3" name="Content Placeholder 2">
@@ -10543,8 +10543,8 @@
           </a:p>
         </p:txBody>
       </p:sp>
-      <mc:AlternateContent xmlns:mc="http://schemas.openxmlformats.org/markup-compatibility/2006">
-        <mc:Choice xmlns:a14="http://schemas.microsoft.com/office/drawing/2010/main" Requires="a14">
+      <mc:AlternateContent xmlns:mc="http://schemas.openxmlformats.org/markup-compatibility/2006" xmlns:a14="http://schemas.microsoft.com/office/drawing/2010/main">
+        <mc:Choice Requires="a14">
           <p:sp>
             <p:nvSpPr>
               <p:cNvPr id="3" name="Content Placeholder 2">
@@ -11233,7 +11233,7 @@
             </p:txBody>
           </p:sp>
         </mc:Choice>
-        <mc:Fallback>
+        <mc:Fallback xmlns="">
           <p:sp>
             <p:nvSpPr>
               <p:cNvPr id="3" name="Content Placeholder 2">
@@ -12045,10 +12045,10 @@
                                 </m:dPr>
                                 <m:e>
                                   <m:r>
-                                    <a:rPr lang="en-US" i="1">
+                                    <a:rPr lang="en-US" b="0" i="1" smtClean="0">
                                       <a:latin typeface="Cambria Math" panose="02040503050406030204" pitchFamily="18" charset="0"/>
                                     </a:rPr>
-                                    <m:t>𝛽</m:t>
+                                    <m:t>𝑏</m:t>
                                   </m:r>
                                 </m:e>
                               </m:d>
@@ -12122,196 +12122,6 @@
   <p:clrMapOvr>
     <a:masterClrMapping/>
   </p:clrMapOvr>
-  <p:timing>
-    <p:tnLst>
-      <p:par>
-        <p:cTn id="1" dur="indefinite" restart="never" nodeType="tmRoot">
-          <p:childTnLst>
-            <p:seq concurrent="1" nextAc="seek">
-              <p:cTn id="2" dur="indefinite" nodeType="mainSeq">
-                <p:childTnLst>
-                  <p:par>
-                    <p:cTn id="3" fill="hold">
-                      <p:stCondLst>
-                        <p:cond delay="indefinite"/>
-                      </p:stCondLst>
-                      <p:childTnLst>
-                        <p:par>
-                          <p:cTn id="4" fill="hold">
-                            <p:stCondLst>
-                              <p:cond delay="0"/>
-                            </p:stCondLst>
-                            <p:childTnLst>
-                              <p:par>
-                                <p:cTn id="5" presetID="1" presetClass="entr" presetSubtype="0" fill="hold" nodeType="clickEffect">
-                                  <p:stCondLst>
-                                    <p:cond delay="0"/>
-                                  </p:stCondLst>
-                                  <p:childTnLst>
-                                    <p:set>
-                                      <p:cBhvr>
-                                        <p:cTn id="6" dur="1" fill="hold">
-                                          <p:stCondLst>
-                                            <p:cond delay="0"/>
-                                          </p:stCondLst>
-                                        </p:cTn>
-                                        <p:tgtEl>
-                                          <p:spTgt spid="3">
-                                            <p:txEl>
-                                              <p:pRg st="1" end="1"/>
-                                            </p:txEl>
-                                          </p:spTgt>
-                                        </p:tgtEl>
-                                        <p:attrNameLst>
-                                          <p:attrName>style.visibility</p:attrName>
-                                        </p:attrNameLst>
-                                      </p:cBhvr>
-                                      <p:to>
-                                        <p:strVal val="visible"/>
-                                      </p:to>
-                                    </p:set>
-                                  </p:childTnLst>
-                                </p:cTn>
-                              </p:par>
-                              <p:par>
-                                <p:cTn id="7" presetID="1" presetClass="entr" presetSubtype="0" fill="hold" nodeType="withEffect">
-                                  <p:stCondLst>
-                                    <p:cond delay="0"/>
-                                  </p:stCondLst>
-                                  <p:childTnLst>
-                                    <p:set>
-                                      <p:cBhvr>
-                                        <p:cTn id="8" dur="1" fill="hold">
-                                          <p:stCondLst>
-                                            <p:cond delay="0"/>
-                                          </p:stCondLst>
-                                        </p:cTn>
-                                        <p:tgtEl>
-                                          <p:spTgt spid="3">
-                                            <p:txEl>
-                                              <p:pRg st="2" end="2"/>
-                                            </p:txEl>
-                                          </p:spTgt>
-                                        </p:tgtEl>
-                                        <p:attrNameLst>
-                                          <p:attrName>style.visibility</p:attrName>
-                                        </p:attrNameLst>
-                                      </p:cBhvr>
-                                      <p:to>
-                                        <p:strVal val="visible"/>
-                                      </p:to>
-                                    </p:set>
-                                  </p:childTnLst>
-                                </p:cTn>
-                              </p:par>
-                            </p:childTnLst>
-                          </p:cTn>
-                        </p:par>
-                      </p:childTnLst>
-                    </p:cTn>
-                  </p:par>
-                  <p:par>
-                    <p:cTn id="9" fill="hold">
-                      <p:stCondLst>
-                        <p:cond delay="indefinite"/>
-                      </p:stCondLst>
-                      <p:childTnLst>
-                        <p:par>
-                          <p:cTn id="10" fill="hold">
-                            <p:stCondLst>
-                              <p:cond delay="0"/>
-                            </p:stCondLst>
-                            <p:childTnLst>
-                              <p:par>
-                                <p:cTn id="11" presetID="1" presetClass="entr" presetSubtype="0" fill="hold" nodeType="clickEffect">
-                                  <p:stCondLst>
-                                    <p:cond delay="0"/>
-                                  </p:stCondLst>
-                                  <p:childTnLst>
-                                    <p:set>
-                                      <p:cBhvr>
-                                        <p:cTn id="12" dur="1" fill="hold">
-                                          <p:stCondLst>
-                                            <p:cond delay="0"/>
-                                          </p:stCondLst>
-                                        </p:cTn>
-                                        <p:tgtEl>
-                                          <p:spTgt spid="3">
-                                            <p:txEl>
-                                              <p:pRg st="4" end="4"/>
-                                            </p:txEl>
-                                          </p:spTgt>
-                                        </p:tgtEl>
-                                        <p:attrNameLst>
-                                          <p:attrName>style.visibility</p:attrName>
-                                        </p:attrNameLst>
-                                      </p:cBhvr>
-                                      <p:to>
-                                        <p:strVal val="visible"/>
-                                      </p:to>
-                                    </p:set>
-                                  </p:childTnLst>
-                                </p:cTn>
-                              </p:par>
-                              <p:par>
-                                <p:cTn id="13" presetID="1" presetClass="entr" presetSubtype="0" fill="hold" nodeType="withEffect">
-                                  <p:stCondLst>
-                                    <p:cond delay="0"/>
-                                  </p:stCondLst>
-                                  <p:childTnLst>
-                                    <p:set>
-                                      <p:cBhvr>
-                                        <p:cTn id="14" dur="1" fill="hold">
-                                          <p:stCondLst>
-                                            <p:cond delay="0"/>
-                                          </p:stCondLst>
-                                        </p:cTn>
-                                        <p:tgtEl>
-                                          <p:spTgt spid="3">
-                                            <p:txEl>
-                                              <p:pRg st="6" end="6"/>
-                                            </p:txEl>
-                                          </p:spTgt>
-                                        </p:tgtEl>
-                                        <p:attrNameLst>
-                                          <p:attrName>style.visibility</p:attrName>
-                                        </p:attrNameLst>
-                                      </p:cBhvr>
-                                      <p:to>
-                                        <p:strVal val="visible"/>
-                                      </p:to>
-                                    </p:set>
-                                  </p:childTnLst>
-                                </p:cTn>
-                              </p:par>
-                            </p:childTnLst>
-                          </p:cTn>
-                        </p:par>
-                      </p:childTnLst>
-                    </p:cTn>
-                  </p:par>
-                </p:childTnLst>
-              </p:cTn>
-              <p:prevCondLst>
-                <p:cond evt="onPrev" delay="0">
-                  <p:tgtEl>
-                    <p:sldTgt/>
-                  </p:tgtEl>
-                </p:cond>
-              </p:prevCondLst>
-              <p:nextCondLst>
-                <p:cond evt="onNext" delay="0">
-                  <p:tgtEl>
-                    <p:sldTgt/>
-                  </p:tgtEl>
-                </p:cond>
-              </p:nextCondLst>
-            </p:seq>
-          </p:childTnLst>
-        </p:cTn>
-      </p:par>
-    </p:tnLst>
-  </p:timing>
 </p:sld>
 </file>
 
@@ -12340,8 +12150,8 @@
           <a:chExt cx="0" cy="0"/>
         </a:xfrm>
       </p:grpSpPr>
-      <mc:AlternateContent xmlns:mc="http://schemas.openxmlformats.org/markup-compatibility/2006">
-        <mc:Choice xmlns:a14="http://schemas.microsoft.com/office/drawing/2010/main" Requires="a14">
+      <mc:AlternateContent xmlns:mc="http://schemas.openxmlformats.org/markup-compatibility/2006" xmlns:a14="http://schemas.microsoft.com/office/drawing/2010/main">
+        <mc:Choice Requires="a14">
           <p:sp>
             <p:nvSpPr>
               <p:cNvPr id="2" name="Title 1">
@@ -12776,7 +12586,7 @@
             </p:txBody>
           </p:sp>
         </mc:Choice>
-        <mc:Fallback>
+        <mc:Fallback xmlns="">
           <p:sp>
             <p:nvSpPr>
               <p:cNvPr id="2" name="Title 1">
@@ -12996,8 +12806,8 @@
           </a:p>
         </p:txBody>
       </p:sp>
-      <mc:AlternateContent xmlns:mc="http://schemas.openxmlformats.org/markup-compatibility/2006">
-        <mc:Choice xmlns:a14="http://schemas.microsoft.com/office/drawing/2010/main" Requires="a14">
+      <mc:AlternateContent xmlns:mc="http://schemas.openxmlformats.org/markup-compatibility/2006" xmlns:a14="http://schemas.microsoft.com/office/drawing/2010/main">
+        <mc:Choice Requires="a14">
           <p:sp>
             <p:nvSpPr>
               <p:cNvPr id="3" name="Content Placeholder 2">
@@ -13225,7 +13035,7 @@
             </p:txBody>
           </p:sp>
         </mc:Choice>
-        <mc:Fallback>
+        <mc:Fallback xmlns="">
           <p:sp>
             <p:nvSpPr>
               <p:cNvPr id="3" name="Content Placeholder 2">
@@ -13531,8 +13341,8 @@
           </a:p>
         </p:txBody>
       </p:sp>
-      <mc:AlternateContent xmlns:mc="http://schemas.openxmlformats.org/markup-compatibility/2006">
-        <mc:Choice xmlns:a14="http://schemas.microsoft.com/office/drawing/2010/main" Requires="a14">
+      <mc:AlternateContent xmlns:mc="http://schemas.openxmlformats.org/markup-compatibility/2006" xmlns:a14="http://schemas.microsoft.com/office/drawing/2010/main">
+        <mc:Choice Requires="a14">
           <p:sp>
             <p:nvSpPr>
               <p:cNvPr id="3" name="Content Placeholder 2">
@@ -13649,7 +13459,7 @@
             </p:txBody>
           </p:sp>
         </mc:Choice>
-        <mc:Fallback>
+        <mc:Fallback xmlns="">
           <p:sp>
             <p:nvSpPr>
               <p:cNvPr id="3" name="Content Placeholder 2">
@@ -14136,8 +13946,8 @@
           </a:p>
         </p:txBody>
       </p:sp>
-      <mc:AlternateContent xmlns:mc="http://schemas.openxmlformats.org/markup-compatibility/2006">
-        <mc:Choice xmlns:a14="http://schemas.microsoft.com/office/drawing/2010/main" Requires="a14">
+      <mc:AlternateContent xmlns:mc="http://schemas.openxmlformats.org/markup-compatibility/2006" xmlns:a14="http://schemas.microsoft.com/office/drawing/2010/main">
+        <mc:Choice Requires="a14">
           <p:sp>
             <p:nvSpPr>
               <p:cNvPr id="3" name="Content Placeholder 2">
@@ -14747,7 +14557,7 @@
             </p:txBody>
           </p:sp>
         </mc:Choice>
-        <mc:Fallback>
+        <mc:Fallback xmlns="">
           <p:sp>
             <p:nvSpPr>
               <p:cNvPr id="3" name="Content Placeholder 2">
@@ -15202,8 +15012,8 @@
           </a:p>
         </p:txBody>
       </p:sp>
-      <mc:AlternateContent xmlns:mc="http://schemas.openxmlformats.org/markup-compatibility/2006">
-        <mc:Choice xmlns:a14="http://schemas.microsoft.com/office/drawing/2010/main" Requires="a14">
+      <mc:AlternateContent xmlns:mc="http://schemas.openxmlformats.org/markup-compatibility/2006" xmlns:a14="http://schemas.microsoft.com/office/drawing/2010/main">
+        <mc:Choice Requires="a14">
           <p:sp>
             <p:nvSpPr>
               <p:cNvPr id="3" name="Content Placeholder 2">
@@ -15580,7 +15390,7 @@
             </p:txBody>
           </p:sp>
         </mc:Choice>
-        <mc:Fallback>
+        <mc:Fallback xmlns="">
           <p:sp>
             <p:nvSpPr>
               <p:cNvPr id="3" name="Content Placeholder 2">
@@ -15935,8 +15745,8 @@
           </a:p>
         </p:txBody>
       </p:sp>
-      <mc:AlternateContent xmlns:mc="http://schemas.openxmlformats.org/markup-compatibility/2006">
-        <mc:Choice xmlns:a14="http://schemas.microsoft.com/office/drawing/2010/main" Requires="a14">
+      <mc:AlternateContent xmlns:mc="http://schemas.openxmlformats.org/markup-compatibility/2006" xmlns:a14="http://schemas.microsoft.com/office/drawing/2010/main">
+        <mc:Choice Requires="a14">
           <p:sp>
             <p:nvSpPr>
               <p:cNvPr id="3" name="Content Placeholder 2">
@@ -16725,7 +16535,7 @@
             </p:txBody>
           </p:sp>
         </mc:Choice>
-        <mc:Fallback>
+        <mc:Fallback xmlns="">
           <p:sp>
             <p:nvSpPr>
               <p:cNvPr id="3" name="Content Placeholder 2">
@@ -17096,8 +16906,8 @@
           </a:p>
         </p:txBody>
       </p:sp>
-      <mc:AlternateContent xmlns:mc="http://schemas.openxmlformats.org/markup-compatibility/2006">
-        <mc:Choice xmlns:a14="http://schemas.microsoft.com/office/drawing/2010/main" Requires="a14">
+      <mc:AlternateContent xmlns:mc="http://schemas.openxmlformats.org/markup-compatibility/2006" xmlns:a14="http://schemas.microsoft.com/office/drawing/2010/main">
+        <mc:Choice Requires="a14">
           <p:sp>
             <p:nvSpPr>
               <p:cNvPr id="3" name="Content Placeholder 2">
@@ -17706,7 +17516,7 @@
             </p:txBody>
           </p:sp>
         </mc:Choice>
-        <mc:Fallback>
+        <mc:Fallback xmlns="">
           <p:sp>
             <p:nvSpPr>
               <p:cNvPr id="3" name="Content Placeholder 2">
@@ -17963,8 +17773,8 @@
           </a:p>
         </p:txBody>
       </p:sp>
-      <mc:AlternateContent xmlns:mc="http://schemas.openxmlformats.org/markup-compatibility/2006">
-        <mc:Choice xmlns:a14="http://schemas.microsoft.com/office/drawing/2010/main" Requires="a14">
+      <mc:AlternateContent xmlns:mc="http://schemas.openxmlformats.org/markup-compatibility/2006" xmlns:a14="http://schemas.microsoft.com/office/drawing/2010/main">
+        <mc:Choice Requires="a14">
           <p:sp>
             <p:nvSpPr>
               <p:cNvPr id="3" name="Content Placeholder 2">
@@ -18626,7 +18436,7 @@
             </p:txBody>
           </p:sp>
         </mc:Choice>
-        <mc:Fallback>
+        <mc:Fallback xmlns="">
           <p:sp>
             <p:nvSpPr>
               <p:cNvPr id="3" name="Content Placeholder 2">
@@ -19792,8 +19602,8 @@
           </a:p>
         </p:txBody>
       </p:sp>
-      <mc:AlternateContent xmlns:mc="http://schemas.openxmlformats.org/markup-compatibility/2006">
-        <mc:Choice xmlns:a14="http://schemas.microsoft.com/office/drawing/2010/main" Requires="a14">
+      <mc:AlternateContent xmlns:mc="http://schemas.openxmlformats.org/markup-compatibility/2006" xmlns:a14="http://schemas.microsoft.com/office/drawing/2010/main">
+        <mc:Choice Requires="a14">
           <p:sp>
             <p:nvSpPr>
               <p:cNvPr id="3" name="Content Placeholder 2">
@@ -19892,7 +19702,7 @@
             </p:txBody>
           </p:sp>
         </mc:Choice>
-        <mc:Fallback>
+        <mc:Fallback xmlns="">
           <p:sp>
             <p:nvSpPr>
               <p:cNvPr id="3" name="Content Placeholder 2">
@@ -20541,8 +20351,8 @@
           </a:prstGeom>
         </p:spPr>
       </p:pic>
-      <mc:AlternateContent xmlns:mc="http://schemas.openxmlformats.org/markup-compatibility/2006">
-        <mc:Choice xmlns:a14="http://schemas.microsoft.com/office/drawing/2010/main" Requires="a14">
+      <mc:AlternateContent xmlns:mc="http://schemas.openxmlformats.org/markup-compatibility/2006" xmlns:a14="http://schemas.microsoft.com/office/drawing/2010/main">
+        <mc:Choice Requires="a14">
           <p:sp>
             <p:nvSpPr>
               <p:cNvPr id="3" name="Content Placeholder 2">
@@ -20986,7 +20796,7 @@
             </p:txBody>
           </p:sp>
         </mc:Choice>
-        <mc:Fallback>
+        <mc:Fallback xmlns="">
           <p:sp>
             <p:nvSpPr>
               <p:cNvPr id="3" name="Content Placeholder 2">
@@ -21323,8 +21133,8 @@
           </a:p>
         </p:txBody>
       </p:sp>
-      <mc:AlternateContent xmlns:mc="http://schemas.openxmlformats.org/markup-compatibility/2006">
-        <mc:Choice xmlns:a14="http://schemas.microsoft.com/office/drawing/2010/main" Requires="a14">
+      <mc:AlternateContent xmlns:mc="http://schemas.openxmlformats.org/markup-compatibility/2006" xmlns:a14="http://schemas.microsoft.com/office/drawing/2010/main">
+        <mc:Choice Requires="a14">
           <p:sp>
             <p:nvSpPr>
               <p:cNvPr id="3" name="Content Placeholder 2">
@@ -21685,13 +21495,7 @@
                         <a:rPr lang="en-US" sz="2200" b="0" i="1" smtClean="0">
                           <a:latin typeface="Cambria Math" panose="02040503050406030204" pitchFamily="18" charset="0"/>
                         </a:rPr>
-                        <m:t> </m:t>
-                      </m:r>
-                      <m:r>
-                        <a:rPr lang="en-US" sz="2200" b="0" i="1" smtClean="0">
-                          <a:latin typeface="Cambria Math" panose="02040503050406030204" pitchFamily="18" charset="0"/>
-                        </a:rPr>
-                        <m:t> </m:t>
+                        <m:t>  </m:t>
                       </m:r>
                     </m:oMath>
                   </m:oMathPara>
@@ -21719,7 +21523,7 @@
             </p:txBody>
           </p:sp>
         </mc:Choice>
-        <mc:Fallback>
+        <mc:Fallback xmlns="">
           <p:sp>
             <p:nvSpPr>
               <p:cNvPr id="3" name="Content Placeholder 2">
@@ -22073,8 +21877,8 @@
           </a:p>
         </p:txBody>
       </p:sp>
-      <mc:AlternateContent xmlns:mc="http://schemas.openxmlformats.org/markup-compatibility/2006">
-        <mc:Choice xmlns:a14="http://schemas.microsoft.com/office/drawing/2010/main" Requires="a14">
+      <mc:AlternateContent xmlns:mc="http://schemas.openxmlformats.org/markup-compatibility/2006" xmlns:a14="http://schemas.microsoft.com/office/drawing/2010/main">
+        <mc:Choice Requires="a14">
           <p:sp>
             <p:nvSpPr>
               <p:cNvPr id="3" name="Content Placeholder 2">
@@ -22463,13 +22267,7 @@
                         <a:rPr lang="en-US" sz="2200" b="0" i="1" smtClean="0">
                           <a:latin typeface="Cambria Math" panose="02040503050406030204" pitchFamily="18" charset="0"/>
                         </a:rPr>
-                        <m:t> </m:t>
-                      </m:r>
-                      <m:r>
-                        <a:rPr lang="en-US" sz="2200" b="0" i="1" smtClean="0">
-                          <a:latin typeface="Cambria Math" panose="02040503050406030204" pitchFamily="18" charset="0"/>
-                        </a:rPr>
-                        <m:t> </m:t>
+                        <m:t>  </m:t>
                       </m:r>
                     </m:oMath>
                   </m:oMathPara>
@@ -22497,7 +22295,7 @@
             </p:txBody>
           </p:sp>
         </mc:Choice>
-        <mc:Fallback>
+        <mc:Fallback xmlns="">
           <p:sp>
             <p:nvSpPr>
               <p:cNvPr id="3" name="Content Placeholder 2">
